--- a/07 - Neural Fitted Q (NFQ)/slides.pptx
+++ b/07 - Neural Fitted Q (NFQ)/slides.pptx
@@ -5,7 +5,7 @@
     <p:sldMasterId id="2147483659" r:id="rId1"/>
   </p:sldMasterIdLst>
   <p:notesMasterIdLst>
-    <p:notesMasterId r:id="rId23"/>
+    <p:notesMasterId r:id="rId22"/>
   </p:notesMasterIdLst>
   <p:sldIdLst>
     <p:sldId id="256" r:id="rId2"/>
@@ -26,26 +26,25 @@
     <p:sldId id="291" r:id="rId17"/>
     <p:sldId id="292" r:id="rId18"/>
     <p:sldId id="293" r:id="rId19"/>
-    <p:sldId id="294" r:id="rId20"/>
-    <p:sldId id="295" r:id="rId21"/>
-    <p:sldId id="299" r:id="rId22"/>
+    <p:sldId id="295" r:id="rId20"/>
+    <p:sldId id="299" r:id="rId21"/>
   </p:sldIdLst>
   <p:sldSz cx="9144000" cy="6858000" type="screen4x3"/>
   <p:notesSz cx="6858000" cy="9144000"/>
   <p:embeddedFontLst>
     <p:embeddedFont>
       <p:font typeface="Economica" panose="02000506040000020004" pitchFamily="2" charset="77"/>
-      <p:regular r:id="rId24"/>
-      <p:bold r:id="rId25"/>
-      <p:italic r:id="rId26"/>
-      <p:boldItalic r:id="rId27"/>
+      <p:regular r:id="rId23"/>
+      <p:bold r:id="rId24"/>
+      <p:italic r:id="rId25"/>
+      <p:boldItalic r:id="rId26"/>
     </p:embeddedFont>
     <p:embeddedFont>
       <p:font typeface="Open Sans" panose="020B0606030504020204" pitchFamily="34" charset="0"/>
-      <p:regular r:id="rId28"/>
-      <p:bold r:id="rId29"/>
-      <p:italic r:id="rId30"/>
-      <p:boldItalic r:id="rId31"/>
+      <p:regular r:id="rId27"/>
+      <p:bold r:id="rId28"/>
+      <p:italic r:id="rId29"/>
+      <p:boldItalic r:id="rId30"/>
     </p:embeddedFont>
   </p:embeddedFontLst>
   <p:defaultTextStyle>
@@ -7827,7 +7826,7 @@
     </p:spTree>
     <p:extLst>
       <p:ext uri="{BB962C8B-B14F-4D97-AF65-F5344CB8AC3E}">
-        <p14:creationId xmlns:p14="http://schemas.microsoft.com/office/powerpoint/2010/main" val="3478210661"/>
+        <p14:creationId xmlns:p14="http://schemas.microsoft.com/office/powerpoint/2010/main" val="4123411195"/>
       </p:ext>
     </p:extLst>
   </p:cSld>
@@ -7942,115 +7941,6 @@
 </file>
 
 <file path=ppt/notesSlides/notesSlide20.xml><?xml version="1.0" encoding="utf-8"?>
-<p:notes xmlns:a="http://schemas.openxmlformats.org/drawingml/2006/main" xmlns:r="http://schemas.openxmlformats.org/officeDocument/2006/relationships" xmlns:p="http://schemas.openxmlformats.org/presentationml/2006/main" showMasterSp="0" showMasterPhAnim="0">
-  <p:cSld>
-    <p:spTree>
-      <p:nvGrpSpPr>
-        <p:cNvPr id="1" name="Shape 79"/>
-        <p:cNvGrpSpPr/>
-        <p:nvPr/>
-      </p:nvGrpSpPr>
-      <p:grpSpPr>
-        <a:xfrm>
-          <a:off x="0" y="0"/>
-          <a:ext cx="0" cy="0"/>
-          <a:chOff x="0" y="0"/>
-          <a:chExt cx="0" cy="0"/>
-        </a:xfrm>
-      </p:grpSpPr>
-      <p:sp>
-        <p:nvSpPr>
-          <p:cNvPr id="80" name="Google Shape;80;geed6aedbf_0_0:notes"/>
-          <p:cNvSpPr>
-            <a:spLocks noGrp="1" noRot="1" noChangeAspect="1"/>
-          </p:cNvSpPr>
-          <p:nvPr>
-            <p:ph type="sldImg" idx="2"/>
-          </p:nvPr>
-        </p:nvSpPr>
-        <p:spPr>
-          <a:xfrm>
-            <a:off x="1143000" y="685800"/>
-            <a:ext cx="4572000" cy="3429000"/>
-          </a:xfrm>
-          <a:custGeom>
-            <a:avLst/>
-            <a:gdLst/>
-            <a:ahLst/>
-            <a:cxnLst/>
-            <a:rect l="l" t="t" r="r" b="b"/>
-            <a:pathLst>
-              <a:path w="120000" h="120000" extrusionOk="0">
-                <a:moveTo>
-                  <a:pt x="0" y="0"/>
-                </a:moveTo>
-                <a:lnTo>
-                  <a:pt x="120000" y="0"/>
-                </a:lnTo>
-                <a:lnTo>
-                  <a:pt x="120000" y="120000"/>
-                </a:lnTo>
-                <a:lnTo>
-                  <a:pt x="0" y="120000"/>
-                </a:lnTo>
-                <a:close/>
-              </a:path>
-            </a:pathLst>
-          </a:custGeom>
-        </p:spPr>
-      </p:sp>
-      <p:sp>
-        <p:nvSpPr>
-          <p:cNvPr id="81" name="Google Shape;81;geed6aedbf_0_0:notes"/>
-          <p:cNvSpPr txBox="1">
-            <a:spLocks noGrp="1"/>
-          </p:cNvSpPr>
-          <p:nvPr>
-            <p:ph type="body" idx="1"/>
-          </p:nvPr>
-        </p:nvSpPr>
-        <p:spPr>
-          <a:xfrm>
-            <a:off x="685800" y="4343400"/>
-            <a:ext cx="5486400" cy="4114800"/>
-          </a:xfrm>
-          <a:prstGeom prst="rect">
-            <a:avLst/>
-          </a:prstGeom>
-        </p:spPr>
-        <p:txBody>
-          <a:bodyPr spcFirstLastPara="1" wrap="square" lIns="91425" tIns="91425" rIns="91425" bIns="91425" anchor="t" anchorCtr="0">
-            <a:noAutofit/>
-          </a:bodyPr>
-          <a:lstStyle/>
-          <a:p>
-            <a:pPr marL="0" lvl="0" indent="0" algn="l" rtl="0">
-              <a:spcBef>
-                <a:spcPts val="0"/>
-              </a:spcBef>
-              <a:spcAft>
-                <a:spcPts val="0"/>
-              </a:spcAft>
-              <a:buNone/>
-            </a:pPr>
-            <a:endParaRPr dirty="0"/>
-          </a:p>
-        </p:txBody>
-      </p:sp>
-    </p:spTree>
-    <p:extLst>
-      <p:ext uri="{BB962C8B-B14F-4D97-AF65-F5344CB8AC3E}">
-        <p14:creationId xmlns:p14="http://schemas.microsoft.com/office/powerpoint/2010/main" val="4123411195"/>
-      </p:ext>
-    </p:extLst>
-  </p:cSld>
-  <p:clrMapOvr>
-    <a:masterClrMapping/>
-  </p:clrMapOvr>
-</p:notes>
-</file>
-
-<file path=ppt/notesSlides/notesSlide21.xml><?xml version="1.0" encoding="utf-8"?>
 <p:notes xmlns:a="http://schemas.openxmlformats.org/drawingml/2006/main" xmlns:r="http://schemas.openxmlformats.org/officeDocument/2006/relationships" xmlns:p="http://schemas.openxmlformats.org/presentationml/2006/main" showMasterSp="0" showMasterPhAnim="0">
   <p:cSld>
     <p:spTree>
@@ -14158,10 +14048,10 @@
       </p:sp>
       <p:pic>
         <p:nvPicPr>
-          <p:cNvPr id="3" name="Immagine 2">
+          <p:cNvPr id="4" name="Immagine 3">
             <a:extLst>
               <a:ext uri="{FF2B5EF4-FFF2-40B4-BE49-F238E27FC236}">
-                <a16:creationId xmlns:a16="http://schemas.microsoft.com/office/drawing/2014/main" id="{FA52161C-69EC-F419-1FFD-E7D89DAE11BF}"/>
+                <a16:creationId xmlns:a16="http://schemas.microsoft.com/office/drawing/2014/main" id="{4F8BC385-753F-A59E-C9D5-261890853B1F}"/>
               </a:ext>
             </a:extLst>
           </p:cNvPr>
@@ -14178,8 +14068,8 @@
         </p:blipFill>
         <p:spPr>
           <a:xfrm>
-            <a:off x="311700" y="1540922"/>
-            <a:ext cx="8813069" cy="4091782"/>
+            <a:off x="55983" y="1794326"/>
+            <a:ext cx="9054915" cy="3878684"/>
           </a:xfrm>
           <a:prstGeom prst="rect">
             <a:avLst/>
@@ -14300,17 +14190,29 @@
           </a:p>
           <a:p>
             <a:pPr lvl="1"/>
+            <a:endParaRPr lang="en-GB" dirty="0"/>
+          </a:p>
+          <a:p>
+            <a:pPr lvl="1"/>
+            <a:endParaRPr lang="en-GB" dirty="0"/>
+          </a:p>
+          <a:p>
+            <a:pPr lvl="1"/>
             <a:r>
               <a:rPr lang="en-GB" dirty="0"/>
               <a:t>straightforward in supervised learning (training/test set): in RL the "predicted values" are those from the neural network, but the "true values"?</a:t>
             </a:r>
           </a:p>
           <a:p>
-            <a:pPr lvl="1"/>
+            <a:pPr marL="590550" lvl="1" indent="0">
+              <a:buNone/>
+            </a:pPr>
             <a:endParaRPr lang="en-GB" dirty="0"/>
           </a:p>
           <a:p>
-            <a:pPr lvl="1"/>
+            <a:pPr marL="590550" lvl="1" indent="0">
+              <a:buNone/>
+            </a:pPr>
             <a:endParaRPr lang="en-GB" sz="1000" dirty="0"/>
           </a:p>
           <a:p>
@@ -14320,12 +14222,6 @@
             </a:r>
           </a:p>
           <a:p>
-            <a:endParaRPr lang="en-GB" dirty="0"/>
-          </a:p>
-          <a:p>
-            <a:endParaRPr lang="en-GB" dirty="0"/>
-          </a:p>
-          <a:p>
             <a:pPr lvl="1"/>
             <a:r>
               <a:rPr lang="en-GB" dirty="0"/>
@@ -14338,15 +14234,12 @@
               <a:rPr lang="en-GB" dirty="0"/>
               <a:t>however, using non-linear approximation cannot guarantees convergence</a:t>
             </a:r>
-          </a:p>
-          <a:p>
-            <a:pPr lvl="1"/>
             <a:endParaRPr lang="en-GB" sz="500" dirty="0"/>
           </a:p>
           <a:p>
             <a:r>
               <a:rPr lang="en-GB" dirty="0"/>
-              <a:t>We can use as "true values" the TD targets, which depend on a prediction also coming from the network, the value of the next state, in a circular dependency</a:t>
+              <a:t>We can use as "true values" the TD targets, which depend on a prediction coming from the network, the value of the next state, in a circular dependency</a:t>
             </a:r>
           </a:p>
           <a:p>
@@ -14385,7 +14278,7 @@
         </p:blipFill>
         <p:spPr>
           <a:xfrm>
-            <a:off x="1118463" y="3824597"/>
+            <a:off x="1118463" y="3565904"/>
             <a:ext cx="3708400" cy="457200"/>
           </a:xfrm>
           <a:prstGeom prst="rect">
@@ -14395,10 +14288,10 @@
       </p:pic>
       <p:pic>
         <p:nvPicPr>
-          <p:cNvPr id="8" name="Immagine 7">
+          <p:cNvPr id="3" name="Immagine 2" descr="Immagine che contiene Carattere, tipografia, calligrafia, testo&#10;&#10;Descrizione generata automaticamente">
             <a:extLst>
               <a:ext uri="{FF2B5EF4-FFF2-40B4-BE49-F238E27FC236}">
-                <a16:creationId xmlns:a16="http://schemas.microsoft.com/office/drawing/2014/main" id="{462C2A70-2460-F42A-A06F-B8592540FAA4}"/>
+                <a16:creationId xmlns:a16="http://schemas.microsoft.com/office/drawing/2014/main" id="{BE9405DF-DE8E-8C89-8A16-8C0757FB0280}"/>
               </a:ext>
             </a:extLst>
           </p:cNvPr>
@@ -14415,8 +14308,8 @@
         </p:blipFill>
         <p:spPr>
           <a:xfrm>
-            <a:off x="1118463" y="2900361"/>
-            <a:ext cx="3746500" cy="393700"/>
+            <a:off x="1118463" y="2325740"/>
+            <a:ext cx="3403600" cy="558800"/>
           </a:xfrm>
           <a:prstGeom prst="rect">
             <a:avLst/>
@@ -14575,17 +14468,21 @@
             <a:pPr lvl="0"/>
             <a:r>
               <a:rPr lang="en-GB" dirty="0"/>
-              <a:t>This circular dependency is bad: it’s not well behaved because it doesn’t respect several of the assumptions made in supervised learning problems</a:t>
+              <a:t>This circular dependency is bad: it’s not well behaved because it </a:t>
+            </a:r>
+            <a:r>
+              <a:rPr lang="en-GB" b="1" dirty="0"/>
+              <a:t>doesn’t respect several of the assumptions made in supervised learning problems</a:t>
             </a:r>
           </a:p>
         </p:txBody>
       </p:sp>
       <p:pic>
         <p:nvPicPr>
-          <p:cNvPr id="4" name="Immagine 3">
+          <p:cNvPr id="3" name="Immagine 2">
             <a:extLst>
               <a:ext uri="{FF2B5EF4-FFF2-40B4-BE49-F238E27FC236}">
-                <a16:creationId xmlns:a16="http://schemas.microsoft.com/office/drawing/2014/main" id="{A813D473-EF1C-C9BF-A3C9-93713B4966E9}"/>
+                <a16:creationId xmlns:a16="http://schemas.microsoft.com/office/drawing/2014/main" id="{93CE8286-9E36-9187-1225-E504196FD23B}"/>
               </a:ext>
             </a:extLst>
           </p:cNvPr>
@@ -14602,8 +14499,8 @@
         </p:blipFill>
         <p:spPr>
           <a:xfrm>
-            <a:off x="311700" y="1402663"/>
-            <a:ext cx="8206035" cy="4052673"/>
+            <a:off x="527050" y="1384300"/>
+            <a:ext cx="7772400" cy="3928905"/>
           </a:xfrm>
           <a:prstGeom prst="rect">
             <a:avLst/>
@@ -14709,10 +14606,10 @@
       </p:sp>
       <p:pic>
         <p:nvPicPr>
-          <p:cNvPr id="3" name="Immagine 2">
+          <p:cNvPr id="4" name="Immagine 3">
             <a:extLst>
               <a:ext uri="{FF2B5EF4-FFF2-40B4-BE49-F238E27FC236}">
-                <a16:creationId xmlns:a16="http://schemas.microsoft.com/office/drawing/2014/main" id="{2D426960-D26F-8A21-A69B-68C77E97483B}"/>
+                <a16:creationId xmlns:a16="http://schemas.microsoft.com/office/drawing/2014/main" id="{593AC528-83AE-0B51-655E-8F4E577AB678}"/>
               </a:ext>
             </a:extLst>
           </p:cNvPr>
@@ -14729,8 +14626,8 @@
         </p:blipFill>
         <p:spPr>
           <a:xfrm>
-            <a:off x="468184" y="1860907"/>
-            <a:ext cx="8364116" cy="4386060"/>
+            <a:off x="727787" y="1810139"/>
+            <a:ext cx="7272693" cy="4795432"/>
           </a:xfrm>
           <a:prstGeom prst="rect">
             <a:avLst/>
@@ -14967,10 +14864,10 @@
       </p:pic>
       <p:pic>
         <p:nvPicPr>
-          <p:cNvPr id="7" name="Immagine 6" descr="Immagine che contiene Carattere, testo, tipografia, calligrafia&#10;&#10;Descrizione generata automaticamente">
+          <p:cNvPr id="3" name="Immagine 2">
             <a:extLst>
               <a:ext uri="{FF2B5EF4-FFF2-40B4-BE49-F238E27FC236}">
-                <a16:creationId xmlns:a16="http://schemas.microsoft.com/office/drawing/2014/main" id="{F922FECF-5B36-AA15-5C47-216E3070C83F}"/>
+                <a16:creationId xmlns:a16="http://schemas.microsoft.com/office/drawing/2014/main" id="{860FA82C-CB8F-A46C-D6D8-0C579A6DC9EF}"/>
               </a:ext>
             </a:extLst>
           </p:cNvPr>
@@ -14987,8 +14884,8 @@
         </p:blipFill>
         <p:spPr>
           <a:xfrm>
-            <a:off x="685800" y="3376994"/>
-            <a:ext cx="6019800" cy="749300"/>
+            <a:off x="685800" y="3484944"/>
+            <a:ext cx="4737100" cy="533400"/>
           </a:xfrm>
           <a:prstGeom prst="rect">
             <a:avLst/>
@@ -14997,10 +14894,10 @@
       </p:pic>
       <p:pic>
         <p:nvPicPr>
-          <p:cNvPr id="9" name="Immagine 8">
+          <p:cNvPr id="6" name="Immagine 5">
             <a:extLst>
               <a:ext uri="{FF2B5EF4-FFF2-40B4-BE49-F238E27FC236}">
-                <a16:creationId xmlns:a16="http://schemas.microsoft.com/office/drawing/2014/main" id="{300A28DF-6901-60DB-343D-1CB16F74EF67}"/>
+                <a16:creationId xmlns:a16="http://schemas.microsoft.com/office/drawing/2014/main" id="{974A7BC7-F749-2842-B841-E12292550FCA}"/>
               </a:ext>
             </a:extLst>
           </p:cNvPr>
@@ -15017,8 +14914,8 @@
         </p:blipFill>
         <p:spPr>
           <a:xfrm>
-            <a:off x="685800" y="5542039"/>
-            <a:ext cx="7772400" cy="725924"/>
+            <a:off x="685800" y="5520867"/>
+            <a:ext cx="7876990" cy="747096"/>
           </a:xfrm>
           <a:prstGeom prst="rect">
             <a:avLst/>
@@ -15164,7 +15061,7 @@
           <a:p>
             <a:r>
               <a:rPr lang="en-GB" dirty="0"/>
-              <a:t>However, when evaluating the agent, we will use the action greedy with respect to the learned action-value function</a:t>
+              <a:t>When evaluating the agent, we will use the action greedy with respect to the learned action-value function</a:t>
             </a:r>
           </a:p>
         </p:txBody>
@@ -15328,62 +15225,69 @@
             <a:pPr lvl="2"/>
             <a:r>
               <a:rPr lang="en-GB" dirty="0"/>
-              <a:t>we don’t even have a dataset in advance, so it isn’t applicable</a:t>
-            </a:r>
-          </a:p>
-          <a:p>
-            <a:pPr lvl="1"/>
-            <a:r>
-              <a:rPr lang="en-GB" dirty="0"/>
-              <a:t>Mini-batch gradient descent</a:t>
-            </a:r>
-          </a:p>
-          <a:p>
-            <a:pPr lvl="2"/>
-            <a:r>
-              <a:rPr lang="en-GB" dirty="0"/>
-              <a:t>only a fraction of the data at a time (mini-batch)</a:t>
-            </a:r>
-          </a:p>
-          <a:p>
-            <a:pPr lvl="1"/>
-            <a:r>
-              <a:rPr lang="en-GB" dirty="0"/>
-              <a:t>Gradient descent with momentum</a:t>
-            </a:r>
-          </a:p>
-          <a:p>
-            <a:pPr lvl="2"/>
-            <a:r>
-              <a:rPr lang="en-GB" dirty="0"/>
-              <a:t>updates weights in  the direction of the moving </a:t>
+              <a:t>we don’t even have a dataset in advance, so it </a:t>
             </a:r>
             <a:br>
               <a:rPr lang="en-GB" dirty="0"/>
             </a:br>
             <a:r>
               <a:rPr lang="en-GB" dirty="0"/>
-              <a:t>average of the gradients, instead of the gradient itself</a:t>
+              <a:t>isn’t applicable</a:t>
             </a:r>
           </a:p>
           <a:p>
             <a:pPr lvl="1"/>
             <a:r>
               <a:rPr lang="en-GB" dirty="0"/>
-              <a:t>Others: </a:t>
-            </a:r>
-            <a:r>
-              <a:rPr lang="en-GB" b="1" dirty="0"/>
-              <a:t>root mean square propagation </a:t>
-            </a:r>
+              <a:t>Mini-batch gradient descent</a:t>
+            </a:r>
+          </a:p>
+          <a:p>
+            <a:pPr lvl="2"/>
             <a:r>
               <a:rPr lang="en-GB" dirty="0"/>
-              <a:t>(RMSprop), </a:t>
+              <a:t>only a fraction of the data at a time (mini-batch)</a:t>
+            </a:r>
+          </a:p>
+          <a:p>
+            <a:pPr lvl="1"/>
+            <a:r>
+              <a:rPr lang="en-GB" dirty="0"/>
+              <a:t>Gradient descent with momentum</a:t>
+            </a:r>
+          </a:p>
+          <a:p>
+            <a:pPr lvl="2"/>
+            <a:r>
+              <a:rPr lang="en-GB" dirty="0"/>
+              <a:t>updates weights in  the direction of the moving </a:t>
             </a:r>
             <a:br>
               <a:rPr lang="en-GB" dirty="0"/>
             </a:br>
             <a:r>
+              <a:rPr lang="en-GB" dirty="0"/>
+              <a:t>average of the gradients, instead of the gradient itself</a:t>
+            </a:r>
+          </a:p>
+          <a:p>
+            <a:pPr lvl="1"/>
+            <a:r>
+              <a:rPr lang="en-GB" dirty="0"/>
+              <a:t>Others: </a:t>
+            </a:r>
+            <a:r>
+              <a:rPr lang="en-GB" b="1" dirty="0"/>
+              <a:t>root mean square propagation </a:t>
+            </a:r>
+            <a:r>
+              <a:rPr lang="en-GB" dirty="0"/>
+              <a:t>(RMSprop), </a:t>
+            </a:r>
+            <a:br>
+              <a:rPr lang="en-GB" dirty="0"/>
+            </a:br>
+            <a:r>
               <a:rPr lang="en-GB" b="1" dirty="0"/>
               <a:t>adaptive moment estimation </a:t>
             </a:r>
@@ -15398,249 +15302,12 @@
           </a:p>
         </p:txBody>
       </p:sp>
-      <p:grpSp>
-        <p:nvGrpSpPr>
-          <p:cNvPr id="14" name="Gruppo 13">
+      <p:pic>
+        <p:nvPicPr>
+          <p:cNvPr id="3" name="Immagine 2">
             <a:extLst>
               <a:ext uri="{FF2B5EF4-FFF2-40B4-BE49-F238E27FC236}">
-                <a16:creationId xmlns:a16="http://schemas.microsoft.com/office/drawing/2014/main" id="{69EC4B69-D1EB-C6DB-60C8-2A714F3624DC}"/>
-              </a:ext>
-            </a:extLst>
-          </p:cNvPr>
-          <p:cNvGrpSpPr/>
-          <p:nvPr/>
-        </p:nvGrpSpPr>
-        <p:grpSpPr>
-          <a:xfrm>
-            <a:off x="6700503" y="2730841"/>
-            <a:ext cx="2294975" cy="1503749"/>
-            <a:chOff x="6675789" y="2767912"/>
-            <a:chExt cx="2294975" cy="1503749"/>
-          </a:xfrm>
-        </p:grpSpPr>
-        <p:grpSp>
-          <p:nvGrpSpPr>
-            <p:cNvPr id="13" name="Gruppo 12">
-              <a:extLst>
-                <a:ext uri="{FF2B5EF4-FFF2-40B4-BE49-F238E27FC236}">
-                  <a16:creationId xmlns:a16="http://schemas.microsoft.com/office/drawing/2014/main" id="{CA43CDAB-E3DE-BBD5-3DA6-5D0DB3932435}"/>
-                </a:ext>
-              </a:extLst>
-            </p:cNvPr>
-            <p:cNvGrpSpPr/>
-            <p:nvPr/>
-          </p:nvGrpSpPr>
-          <p:grpSpPr>
-            <a:xfrm>
-              <a:off x="6675789" y="2767912"/>
-              <a:ext cx="1629578" cy="1503749"/>
-              <a:chOff x="6675789" y="2767912"/>
-              <a:chExt cx="1629578" cy="1503749"/>
-            </a:xfrm>
-          </p:grpSpPr>
-          <p:pic>
-            <p:nvPicPr>
-              <p:cNvPr id="7" name="Immagine 6">
-                <a:extLst>
-                  <a:ext uri="{FF2B5EF4-FFF2-40B4-BE49-F238E27FC236}">
-                    <a16:creationId xmlns:a16="http://schemas.microsoft.com/office/drawing/2014/main" id="{E915389C-57C6-896D-F0F3-DC5EFEC6ABE9}"/>
-                  </a:ext>
-                </a:extLst>
-              </p:cNvPr>
-              <p:cNvPicPr>
-                <a:picLocks noChangeAspect="1"/>
-              </p:cNvPicPr>
-              <p:nvPr/>
-            </p:nvPicPr>
-            <p:blipFill>
-              <a:blip r:embed="rId3"/>
-              <a:stretch>
-                <a:fillRect/>
-              </a:stretch>
-            </p:blipFill>
-            <p:spPr>
-              <a:xfrm>
-                <a:off x="6675789" y="2767912"/>
-                <a:ext cx="1519832" cy="1503749"/>
-              </a:xfrm>
-              <a:prstGeom prst="rect">
-                <a:avLst/>
-              </a:prstGeom>
-            </p:spPr>
-          </p:pic>
-          <p:sp>
-            <p:nvSpPr>
-              <p:cNvPr id="8" name="Rettangolo 7">
-                <a:extLst>
-                  <a:ext uri="{FF2B5EF4-FFF2-40B4-BE49-F238E27FC236}">
-                    <a16:creationId xmlns:a16="http://schemas.microsoft.com/office/drawing/2014/main" id="{8EFF463C-29A2-34D1-0BC5-DA4DFB6E0EDD}"/>
-                  </a:ext>
-                </a:extLst>
-              </p:cNvPr>
-              <p:cNvSpPr/>
-              <p:nvPr/>
-            </p:nvSpPr>
-            <p:spPr>
-              <a:xfrm>
-                <a:off x="8034006" y="3334985"/>
-                <a:ext cx="271361" cy="137263"/>
-              </a:xfrm>
-              <a:prstGeom prst="rect">
-                <a:avLst/>
-              </a:prstGeom>
-              <a:solidFill>
-                <a:schemeClr val="bg1"/>
-              </a:solidFill>
-              <a:ln>
-                <a:solidFill>
-                  <a:schemeClr val="bg1"/>
-                </a:solidFill>
-              </a:ln>
-            </p:spPr>
-            <p:style>
-              <a:lnRef idx="2">
-                <a:schemeClr val="accent1">
-                  <a:shade val="50000"/>
-                </a:schemeClr>
-              </a:lnRef>
-              <a:fillRef idx="1">
-                <a:schemeClr val="accent1"/>
-              </a:fillRef>
-              <a:effectRef idx="0">
-                <a:schemeClr val="accent1"/>
-              </a:effectRef>
-              <a:fontRef idx="minor">
-                <a:schemeClr val="lt1"/>
-              </a:fontRef>
-            </p:style>
-            <p:txBody>
-              <a:bodyPr rtlCol="0" anchor="ctr"/>
-              <a:lstStyle/>
-              <a:p>
-                <a:pPr algn="ctr"/>
-                <a:endParaRPr lang="en-GB"/>
-              </a:p>
-            </p:txBody>
-          </p:sp>
-        </p:grpSp>
-        <p:pic>
-          <p:nvPicPr>
-            <p:cNvPr id="12" name="Immagine 11">
-              <a:extLst>
-                <a:ext uri="{FF2B5EF4-FFF2-40B4-BE49-F238E27FC236}">
-                  <a16:creationId xmlns:a16="http://schemas.microsoft.com/office/drawing/2014/main" id="{4F668F1C-94A9-3603-785A-BE1A0D86CD45}"/>
-                </a:ext>
-              </a:extLst>
-            </p:cNvPr>
-            <p:cNvPicPr>
-              <a:picLocks noChangeAspect="1"/>
-            </p:cNvPicPr>
-            <p:nvPr/>
-          </p:nvPicPr>
-          <p:blipFill>
-            <a:blip r:embed="rId4"/>
-            <a:stretch>
-              <a:fillRect/>
-            </a:stretch>
-          </p:blipFill>
-          <p:spPr>
-            <a:xfrm>
-              <a:off x="8044492" y="3360368"/>
-              <a:ext cx="926272" cy="806107"/>
-            </a:xfrm>
-            <a:prstGeom prst="rect">
-              <a:avLst/>
-            </a:prstGeom>
-          </p:spPr>
-        </p:pic>
-      </p:grpSp>
-      <p:grpSp>
-        <p:nvGrpSpPr>
-          <p:cNvPr id="19" name="Gruppo 18">
-            <a:extLst>
-              <a:ext uri="{FF2B5EF4-FFF2-40B4-BE49-F238E27FC236}">
-                <a16:creationId xmlns:a16="http://schemas.microsoft.com/office/drawing/2014/main" id="{B3C48A8D-FFEE-1C5A-AFEE-A57DB21B7C3B}"/>
-              </a:ext>
-            </a:extLst>
-          </p:cNvPr>
-          <p:cNvGrpSpPr/>
-          <p:nvPr/>
-        </p:nvGrpSpPr>
-        <p:grpSpPr>
-          <a:xfrm>
-            <a:off x="6473281" y="4160448"/>
-            <a:ext cx="2522197" cy="1391680"/>
-            <a:chOff x="6473281" y="4234590"/>
-            <a:chExt cx="2522197" cy="1391680"/>
-          </a:xfrm>
-        </p:grpSpPr>
-        <p:pic>
-          <p:nvPicPr>
-            <p:cNvPr id="16" name="Immagine 15">
-              <a:extLst>
-                <a:ext uri="{FF2B5EF4-FFF2-40B4-BE49-F238E27FC236}">
-                  <a16:creationId xmlns:a16="http://schemas.microsoft.com/office/drawing/2014/main" id="{A752DA58-9F64-BEEC-62EC-8449E88C2910}"/>
-                </a:ext>
-              </a:extLst>
-            </p:cNvPr>
-            <p:cNvPicPr>
-              <a:picLocks noChangeAspect="1"/>
-            </p:cNvPicPr>
-            <p:nvPr/>
-          </p:nvPicPr>
-          <p:blipFill>
-            <a:blip r:embed="rId5"/>
-            <a:stretch>
-              <a:fillRect/>
-            </a:stretch>
-          </p:blipFill>
-          <p:spPr>
-            <a:xfrm>
-              <a:off x="6473281" y="4234590"/>
-              <a:ext cx="1418341" cy="1391680"/>
-            </a:xfrm>
-            <a:prstGeom prst="rect">
-              <a:avLst/>
-            </a:prstGeom>
-          </p:spPr>
-        </p:pic>
-        <p:pic>
-          <p:nvPicPr>
-            <p:cNvPr id="18" name="Immagine 17">
-              <a:extLst>
-                <a:ext uri="{FF2B5EF4-FFF2-40B4-BE49-F238E27FC236}">
-                  <a16:creationId xmlns:a16="http://schemas.microsoft.com/office/drawing/2014/main" id="{7E5F143C-FBDC-BCC8-B3E4-ACA0BA7F9073}"/>
-                </a:ext>
-              </a:extLst>
-            </p:cNvPr>
-            <p:cNvPicPr>
-              <a:picLocks noChangeAspect="1"/>
-            </p:cNvPicPr>
-            <p:nvPr/>
-          </p:nvPicPr>
-          <p:blipFill>
-            <a:blip r:embed="rId6"/>
-            <a:stretch>
-              <a:fillRect/>
-            </a:stretch>
-          </p:blipFill>
-          <p:spPr>
-            <a:xfrm>
-              <a:off x="7749814" y="4857090"/>
-              <a:ext cx="1245664" cy="628201"/>
-            </a:xfrm>
-            <a:prstGeom prst="rect">
-              <a:avLst/>
-            </a:prstGeom>
-          </p:spPr>
-        </p:pic>
-      </p:grpSp>
-      <p:pic>
-        <p:nvPicPr>
-          <p:cNvPr id="21" name="Immagine 20">
-            <a:extLst>
-              <a:ext uri="{FF2B5EF4-FFF2-40B4-BE49-F238E27FC236}">
-                <a16:creationId xmlns:a16="http://schemas.microsoft.com/office/drawing/2014/main" id="{78B499A9-F328-53DF-99F8-0A630D4B05C1}"/>
+                <a16:creationId xmlns:a16="http://schemas.microsoft.com/office/drawing/2014/main" id="{99824B62-39D2-067B-7973-592F3517252B}"/>
               </a:ext>
             </a:extLst>
           </p:cNvPr>
@@ -15650,15 +15317,75 @@
           <p:nvPr/>
         </p:nvPicPr>
         <p:blipFill>
-          <a:blip r:embed="rId7"/>
+          <a:blip r:embed="rId3"/>
           <a:stretch>
             <a:fillRect/>
           </a:stretch>
         </p:blipFill>
         <p:spPr>
           <a:xfrm>
-            <a:off x="6129578" y="5627126"/>
-            <a:ext cx="2913457" cy="1025537"/>
+            <a:off x="6326980" y="2981725"/>
+            <a:ext cx="2470839" cy="1153313"/>
+          </a:xfrm>
+          <a:prstGeom prst="rect">
+            <a:avLst/>
+          </a:prstGeom>
+        </p:spPr>
+      </p:pic>
+      <p:pic>
+        <p:nvPicPr>
+          <p:cNvPr id="5" name="Immagine 4">
+            <a:extLst>
+              <a:ext uri="{FF2B5EF4-FFF2-40B4-BE49-F238E27FC236}">
+                <a16:creationId xmlns:a16="http://schemas.microsoft.com/office/drawing/2014/main" id="{AEEED730-36D2-B792-9B7F-B97976EDD625}"/>
+              </a:ext>
+            </a:extLst>
+          </p:cNvPr>
+          <p:cNvPicPr>
+            <a:picLocks noChangeAspect="1"/>
+          </p:cNvPicPr>
+          <p:nvPr/>
+        </p:nvPicPr>
+        <p:blipFill>
+          <a:blip r:embed="rId4"/>
+          <a:stretch>
+            <a:fillRect/>
+          </a:stretch>
+        </p:blipFill>
+        <p:spPr>
+          <a:xfrm>
+            <a:off x="6256115" y="4166867"/>
+            <a:ext cx="2612571" cy="1187533"/>
+          </a:xfrm>
+          <a:prstGeom prst="rect">
+            <a:avLst/>
+          </a:prstGeom>
+        </p:spPr>
+      </p:pic>
+      <p:pic>
+        <p:nvPicPr>
+          <p:cNvPr id="9" name="Immagine 8" descr="Immagine che contiene cerchio, design, illustrazione&#10;&#10;Descrizione generata automaticamente">
+            <a:extLst>
+              <a:ext uri="{FF2B5EF4-FFF2-40B4-BE49-F238E27FC236}">
+                <a16:creationId xmlns:a16="http://schemas.microsoft.com/office/drawing/2014/main" id="{4477482F-E0DC-53B1-ED73-70816710303B}"/>
+              </a:ext>
+            </a:extLst>
+          </p:cNvPr>
+          <p:cNvPicPr>
+            <a:picLocks noChangeAspect="1"/>
+          </p:cNvPicPr>
+          <p:nvPr/>
+        </p:nvPicPr>
+        <p:blipFill>
+          <a:blip r:embed="rId5"/>
+          <a:stretch>
+            <a:fillRect/>
+          </a:stretch>
+        </p:blipFill>
+        <p:spPr>
+          <a:xfrm>
+            <a:off x="6256115" y="5386229"/>
+            <a:ext cx="2787678" cy="1234605"/>
           </a:xfrm>
           <a:prstGeom prst="rect">
             <a:avLst/>
@@ -15741,7 +15468,7 @@
         </p:nvSpPr>
         <p:spPr>
           <a:xfrm>
-            <a:off x="162750" y="1212537"/>
+            <a:off x="162750" y="1131512"/>
             <a:ext cx="8818500" cy="5224230"/>
           </a:xfrm>
           <a:prstGeom prst="rect">
@@ -15804,6 +15531,10 @@
             </a:r>
           </a:p>
           <a:p>
+            <a:pPr lvl="1"/>
+            <a:endParaRPr lang="en-GB" sz="100" dirty="0"/>
+          </a:p>
+          <a:p>
             <a:pPr lvl="0"/>
             <a:r>
               <a:rPr lang="en-GB" dirty="0"/>
@@ -15814,10 +15545,10 @@
       </p:sp>
       <p:pic>
         <p:nvPicPr>
-          <p:cNvPr id="3" name="Immagine 2">
+          <p:cNvPr id="4" name="Immagine 3" descr="Immagine che contiene testo, Carattere, linea, bianco&#10;&#10;Descrizione generata automaticamente">
             <a:extLst>
               <a:ext uri="{FF2B5EF4-FFF2-40B4-BE49-F238E27FC236}">
-                <a16:creationId xmlns:a16="http://schemas.microsoft.com/office/drawing/2014/main" id="{4E0A20F3-A8E5-D1A0-849D-FC5BCA364D43}"/>
+                <a16:creationId xmlns:a16="http://schemas.microsoft.com/office/drawing/2014/main" id="{91B66105-7558-9D16-874B-B9412A409BE8}"/>
               </a:ext>
             </a:extLst>
           </p:cNvPr>
@@ -15834,8 +15565,8 @@
         </p:blipFill>
         <p:spPr>
           <a:xfrm>
-            <a:off x="684679" y="3870854"/>
-            <a:ext cx="7099753" cy="2565913"/>
+            <a:off x="674225" y="3953580"/>
+            <a:ext cx="7772400" cy="2744591"/>
           </a:xfrm>
           <a:prstGeom prst="rect">
             <a:avLst/>
@@ -15937,41 +15668,14 @@
               <a:t>NFQ is not a state-of-the-art solution, however in a simple environment as the cart-pole, it shows a decent performance</a:t>
             </a:r>
           </a:p>
-          <a:p>
-            <a:pPr lvl="0"/>
-            <a:r>
-              <a:rPr lang="en-GB" b="1" dirty="0">
-                <a:highlight>
-                  <a:srgbClr val="FFFF00"/>
-                </a:highlight>
-              </a:rPr>
-              <a:t>See “</a:t>
-            </a:r>
-            <a:r>
-              <a:rPr lang="en-GB" b="1" dirty="0" err="1">
-                <a:highlight>
-                  <a:srgbClr val="FFFF00"/>
-                </a:highlight>
-              </a:rPr>
-              <a:t>notebook.ipynb</a:t>
-            </a:r>
-            <a:r>
-              <a:rPr lang="en-GB" b="1" dirty="0">
-                <a:highlight>
-                  <a:srgbClr val="FFFF00"/>
-                </a:highlight>
-              </a:rPr>
-              <a:t>”</a:t>
-            </a:r>
-          </a:p>
         </p:txBody>
       </p:sp>
       <p:pic>
         <p:nvPicPr>
-          <p:cNvPr id="4" name="Immagine 3" descr="Immagine che contiene testo, mappa, diagramma, Diagramma&#10;&#10;Descrizione generata automaticamente">
+          <p:cNvPr id="6" name="Immagine 5" descr="Immagine che contiene schermata, diagramma, Diagramma, testo&#10;&#10;Descrizione generata automaticamente">
             <a:extLst>
               <a:ext uri="{FF2B5EF4-FFF2-40B4-BE49-F238E27FC236}">
-                <a16:creationId xmlns:a16="http://schemas.microsoft.com/office/drawing/2014/main" id="{C4ED255B-D3C0-4C79-691A-9E69A2413CCE}"/>
+                <a16:creationId xmlns:a16="http://schemas.microsoft.com/office/drawing/2014/main" id="{63F75DCB-92FE-C15F-FFEB-9C76EECCF4B3}"/>
               </a:ext>
             </a:extLst>
           </p:cNvPr>
@@ -15988,8 +15692,38 @@
         </p:blipFill>
         <p:spPr>
           <a:xfrm>
-            <a:off x="428625" y="2335154"/>
-            <a:ext cx="7772400" cy="4175064"/>
+            <a:off x="161194" y="2017227"/>
+            <a:ext cx="8572237" cy="4588344"/>
+          </a:xfrm>
+          <a:prstGeom prst="rect">
+            <a:avLst/>
+          </a:prstGeom>
+        </p:spPr>
+      </p:pic>
+      <p:pic>
+        <p:nvPicPr>
+          <p:cNvPr id="7" name="Immagine 6" descr="Immagine che contiene Carattere, Elementi grafici, logo, cerchio&#10;&#10;Descrizione generata automaticamente">
+            <a:extLst>
+              <a:ext uri="{FF2B5EF4-FFF2-40B4-BE49-F238E27FC236}">
+                <a16:creationId xmlns:a16="http://schemas.microsoft.com/office/drawing/2014/main" id="{11E03EFF-723B-40F4-609D-20E48BF8040F}"/>
+              </a:ext>
+            </a:extLst>
+          </p:cNvPr>
+          <p:cNvPicPr>
+            <a:picLocks noChangeAspect="1"/>
+          </p:cNvPicPr>
+          <p:nvPr/>
+        </p:nvPicPr>
+        <p:blipFill>
+          <a:blip r:embed="rId4"/>
+          <a:stretch>
+            <a:fillRect/>
+          </a:stretch>
+        </p:blipFill>
+        <p:spPr>
+          <a:xfrm>
+            <a:off x="8661328" y="65196"/>
+            <a:ext cx="407258" cy="495579"/>
           </a:xfrm>
           <a:prstGeom prst="rect">
             <a:avLst/>
@@ -16054,7 +15788,7 @@
             <a:pPr lvl="0"/>
             <a:r>
               <a:rPr lang="en-GB" sz="4000" dirty="0"/>
-              <a:t>Neural Fitted Q (NFQ) (3)</a:t>
+              <a:t>Challenges (1)</a:t>
             </a:r>
             <a:endParaRPr sz="4000" dirty="0"/>
           </a:p>
@@ -16085,39 +15819,48 @@
           </a:bodyPr>
           <a:lstStyle/>
           <a:p>
-            <a:pPr lvl="0"/>
             <a:r>
               <a:rPr lang="en-GB" dirty="0"/>
-              <a:t>The main issue with NFQ is that it takes </a:t>
+              <a:t>Notice that we’re using a </a:t>
             </a:r>
             <a:r>
               <a:rPr lang="en-GB" b="1" dirty="0"/>
-              <a:t>too many steps </a:t>
+              <a:t>non-stationary target </a:t>
             </a:r>
             <a:r>
               <a:rPr lang="en-GB" dirty="0"/>
-              <a:t>to get decent performance</a:t>
+              <a:t>for the learning updates</a:t>
             </a:r>
           </a:p>
           <a:p>
             <a:pPr lvl="1"/>
             <a:r>
               <a:rPr lang="en-GB" dirty="0"/>
-              <a:t>NFQ does poorly in terms of </a:t>
+              <a:t>as we update the weights of the approximate Q-function, the targets also move and make our most recent update outdated</a:t>
+            </a:r>
+          </a:p>
+          <a:p>
+            <a:r>
+              <a:rPr lang="en-GB" dirty="0"/>
+              <a:t>Training becomes </a:t>
             </a:r>
             <a:r>
               <a:rPr lang="en-GB" b="1" dirty="0"/>
-              <a:t>sample efficiency</a:t>
+              <a:t>unstable</a:t>
+            </a:r>
+            <a:r>
+              <a:rPr lang="en-GB" dirty="0"/>
+              <a:t> quickly</a:t>
             </a:r>
           </a:p>
         </p:txBody>
       </p:sp>
       <p:pic>
         <p:nvPicPr>
-          <p:cNvPr id="3" name="Immagine 2" descr="Immagine che contiene Diagramma, schermata, diagramma, linea&#10;&#10;Descrizione generata automaticamente">
+          <p:cNvPr id="4" name="Immagine 3" descr="Immagine che contiene diagramma, linea&#10;&#10;Descrizione generata automaticamente">
             <a:extLst>
               <a:ext uri="{FF2B5EF4-FFF2-40B4-BE49-F238E27FC236}">
-                <a16:creationId xmlns:a16="http://schemas.microsoft.com/office/drawing/2014/main" id="{15DB3F41-E116-5E6F-5618-27BD6E4999B0}"/>
+                <a16:creationId xmlns:a16="http://schemas.microsoft.com/office/drawing/2014/main" id="{19E744CE-98FA-6412-4C7B-E2C0343D4976}"/>
               </a:ext>
             </a:extLst>
           </p:cNvPr>
@@ -16134,8 +15877,8 @@
         </p:blipFill>
         <p:spPr>
           <a:xfrm>
-            <a:off x="466725" y="2335297"/>
-            <a:ext cx="7772400" cy="4101470"/>
+            <a:off x="311699" y="2826657"/>
+            <a:ext cx="8772481" cy="3778914"/>
           </a:xfrm>
           <a:prstGeom prst="rect">
             <a:avLst/>
@@ -16145,7 +15888,7 @@
     </p:spTree>
     <p:extLst>
       <p:ext uri="{BB962C8B-B14F-4D97-AF65-F5344CB8AC3E}">
-        <p14:creationId xmlns:p14="http://schemas.microsoft.com/office/powerpoint/2010/main" val="3758557650"/>
+        <p14:creationId xmlns:p14="http://schemas.microsoft.com/office/powerpoint/2010/main" val="931677077"/>
       </p:ext>
     </p:extLst>
   </p:cSld>
@@ -16315,161 +16058,6 @@
 </file>
 
 <file path=ppt/slides/slide20.xml><?xml version="1.0" encoding="utf-8"?>
-<p:sld xmlns:a="http://schemas.openxmlformats.org/drawingml/2006/main" xmlns:r="http://schemas.openxmlformats.org/officeDocument/2006/relationships" xmlns:p="http://schemas.openxmlformats.org/presentationml/2006/main">
-  <p:cSld>
-    <p:spTree>
-      <p:nvGrpSpPr>
-        <p:cNvPr id="1" name="Shape 82"/>
-        <p:cNvGrpSpPr/>
-        <p:nvPr/>
-      </p:nvGrpSpPr>
-      <p:grpSpPr>
-        <a:xfrm>
-          <a:off x="0" y="0"/>
-          <a:ext cx="0" cy="0"/>
-          <a:chOff x="0" y="0"/>
-          <a:chExt cx="0" cy="0"/>
-        </a:xfrm>
-      </p:grpSpPr>
-      <p:sp>
-        <p:nvSpPr>
-          <p:cNvPr id="83" name="Google Shape;83;p14"/>
-          <p:cNvSpPr txBox="1">
-            <a:spLocks noGrp="1"/>
-          </p:cNvSpPr>
-          <p:nvPr>
-            <p:ph type="title" idx="4294967295"/>
-          </p:nvPr>
-        </p:nvSpPr>
-        <p:spPr>
-          <a:xfrm>
-            <a:off x="311700" y="421233"/>
-            <a:ext cx="8520600" cy="622500"/>
-          </a:xfrm>
-          <a:prstGeom prst="rect">
-            <a:avLst/>
-          </a:prstGeom>
-        </p:spPr>
-        <p:txBody>
-          <a:bodyPr spcFirstLastPara="1" wrap="square" lIns="91425" tIns="91425" rIns="91425" bIns="91425" anchor="b" anchorCtr="0">
-            <a:noAutofit/>
-          </a:bodyPr>
-          <a:lstStyle/>
-          <a:p>
-            <a:pPr lvl="0"/>
-            <a:r>
-              <a:rPr lang="en-GB" sz="4000" dirty="0"/>
-              <a:t>Challenges (1)</a:t>
-            </a:r>
-            <a:endParaRPr sz="4000" dirty="0"/>
-          </a:p>
-        </p:txBody>
-      </p:sp>
-      <p:sp>
-        <p:nvSpPr>
-          <p:cNvPr id="84" name="Google Shape;84;p14"/>
-          <p:cNvSpPr txBox="1">
-            <a:spLocks noGrp="1"/>
-          </p:cNvSpPr>
-          <p:nvPr>
-            <p:ph type="body" idx="1"/>
-          </p:nvPr>
-        </p:nvSpPr>
-        <p:spPr>
-          <a:xfrm>
-            <a:off x="162750" y="1212537"/>
-            <a:ext cx="8818500" cy="5224230"/>
-          </a:xfrm>
-          <a:prstGeom prst="rect">
-            <a:avLst/>
-          </a:prstGeom>
-        </p:spPr>
-        <p:txBody>
-          <a:bodyPr spcFirstLastPara="1" wrap="square" lIns="91425" tIns="91425" rIns="91425" bIns="91425" anchor="t" anchorCtr="0">
-            <a:noAutofit/>
-          </a:bodyPr>
-          <a:lstStyle/>
-          <a:p>
-            <a:r>
-              <a:rPr lang="en-GB" dirty="0"/>
-              <a:t>Notice that we’re using a </a:t>
-            </a:r>
-            <a:r>
-              <a:rPr lang="en-GB" b="1" dirty="0"/>
-              <a:t>non-stationary target </a:t>
-            </a:r>
-            <a:r>
-              <a:rPr lang="en-GB" dirty="0"/>
-              <a:t>for the learning updates</a:t>
-            </a:r>
-          </a:p>
-          <a:p>
-            <a:pPr lvl="1"/>
-            <a:r>
-              <a:rPr lang="en-GB" dirty="0"/>
-              <a:t>as we update the weights of the approximate Q-function, the targets also move and make our most recent update outdated</a:t>
-            </a:r>
-          </a:p>
-          <a:p>
-            <a:r>
-              <a:rPr lang="en-GB" dirty="0"/>
-              <a:t>Training becomes </a:t>
-            </a:r>
-            <a:r>
-              <a:rPr lang="en-GB" b="1" dirty="0"/>
-              <a:t>unstable</a:t>
-            </a:r>
-            <a:r>
-              <a:rPr lang="en-GB" dirty="0"/>
-              <a:t> quickly</a:t>
-            </a:r>
-          </a:p>
-        </p:txBody>
-      </p:sp>
-      <p:pic>
-        <p:nvPicPr>
-          <p:cNvPr id="3" name="Immagine 2">
-            <a:extLst>
-              <a:ext uri="{FF2B5EF4-FFF2-40B4-BE49-F238E27FC236}">
-                <a16:creationId xmlns:a16="http://schemas.microsoft.com/office/drawing/2014/main" id="{CE9197F2-F3EB-E660-E15B-ED2156DAFC58}"/>
-              </a:ext>
-            </a:extLst>
-          </p:cNvPr>
-          <p:cNvPicPr>
-            <a:picLocks noChangeAspect="1"/>
-          </p:cNvPicPr>
-          <p:nvPr/>
-        </p:nvPicPr>
-        <p:blipFill>
-          <a:blip r:embed="rId3"/>
-          <a:stretch>
-            <a:fillRect/>
-          </a:stretch>
-        </p:blipFill>
-        <p:spPr>
-          <a:xfrm>
-            <a:off x="1004970" y="2575967"/>
-            <a:ext cx="6845300" cy="3860800"/>
-          </a:xfrm>
-          <a:prstGeom prst="rect">
-            <a:avLst/>
-          </a:prstGeom>
-        </p:spPr>
-      </p:pic>
-    </p:spTree>
-    <p:extLst>
-      <p:ext uri="{BB962C8B-B14F-4D97-AF65-F5344CB8AC3E}">
-        <p14:creationId xmlns:p14="http://schemas.microsoft.com/office/powerpoint/2010/main" val="931677077"/>
-      </p:ext>
-    </p:extLst>
-  </p:cSld>
-  <p:clrMapOvr>
-    <a:masterClrMapping/>
-  </p:clrMapOvr>
-</p:sld>
-</file>
-
-<file path=ppt/slides/slide21.xml><?xml version="1.0" encoding="utf-8"?>
 <p:sld xmlns:a="http://schemas.openxmlformats.org/drawingml/2006/main" xmlns:r="http://schemas.openxmlformats.org/officeDocument/2006/relationships" xmlns:p="http://schemas.openxmlformats.org/presentationml/2006/main">
   <p:cSld>
     <p:spTree>
@@ -16721,7 +16309,7 @@
         </p:nvSpPr>
         <p:spPr>
           <a:xfrm>
-            <a:off x="162750" y="1043733"/>
+            <a:off x="162750" y="939561"/>
             <a:ext cx="8818500" cy="5224230"/>
           </a:xfrm>
           <a:prstGeom prst="rect">
@@ -16752,9 +16340,16 @@
             </a:r>
           </a:p>
           <a:p>
+            <a:pPr lvl="1"/>
             <a:r>
               <a:rPr lang="en-GB" dirty="0"/>
-              <a:t>It is tricky to interpret the source of the feedback and rise the </a:t>
+              <a:t>it is tricky to interpret the source of the feedback </a:t>
+            </a:r>
+          </a:p>
+          <a:p>
+            <a:r>
+              <a:rPr lang="en-GB" dirty="0"/>
+              <a:t>The </a:t>
             </a:r>
             <a:r>
               <a:rPr lang="en-GB" b="1" dirty="0"/>
@@ -16769,7 +16364,7 @@
             </a:r>
           </a:p>
           <a:p>
-            <a:endParaRPr lang="en-GB" dirty="0"/>
+            <a:endParaRPr lang="en-GB" sz="1100" dirty="0"/>
           </a:p>
           <a:p>
             <a:endParaRPr lang="en-GB" dirty="0"/>
@@ -16824,87 +16419,35 @@
           </a:p>
         </p:txBody>
       </p:sp>
-      <p:grpSp>
-        <p:nvGrpSpPr>
-          <p:cNvPr id="6" name="Gruppo 5">
+      <p:pic>
+        <p:nvPicPr>
+          <p:cNvPr id="4" name="Immagine 3" descr="Immagine che contiene testo, linea, diagramma, schermata&#10;&#10;Descrizione generata automaticamente">
             <a:extLst>
               <a:ext uri="{FF2B5EF4-FFF2-40B4-BE49-F238E27FC236}">
-                <a16:creationId xmlns:a16="http://schemas.microsoft.com/office/drawing/2014/main" id="{2B2B6AE7-DDBF-FE6C-5F47-CC4FA15E2683}"/>
+                <a16:creationId xmlns:a16="http://schemas.microsoft.com/office/drawing/2014/main" id="{6922D57B-62BF-F903-D7C1-4F60DF2B51C2}"/>
               </a:ext>
             </a:extLst>
           </p:cNvPr>
-          <p:cNvGrpSpPr/>
+          <p:cNvPicPr>
+            <a:picLocks noChangeAspect="1"/>
+          </p:cNvPicPr>
           <p:nvPr/>
-        </p:nvGrpSpPr>
-        <p:grpSpPr>
+        </p:nvPicPr>
+        <p:blipFill>
+          <a:blip r:embed="rId3"/>
+          <a:srcRect t="6958"/>
+          <a:stretch/>
+        </p:blipFill>
+        <p:spPr>
           <a:xfrm>
-            <a:off x="1438827" y="2752545"/>
-            <a:ext cx="7055868" cy="3151298"/>
-            <a:chOff x="1438827" y="2838609"/>
-            <a:chExt cx="7055868" cy="3151298"/>
+            <a:off x="1102613" y="2758550"/>
+            <a:ext cx="7119649" cy="3132964"/>
           </a:xfrm>
-        </p:grpSpPr>
-        <p:pic>
-          <p:nvPicPr>
-            <p:cNvPr id="3" name="Immagine 2">
-              <a:extLst>
-                <a:ext uri="{FF2B5EF4-FFF2-40B4-BE49-F238E27FC236}">
-                  <a16:creationId xmlns:a16="http://schemas.microsoft.com/office/drawing/2014/main" id="{D63A33B5-B378-C30C-A439-9EC4823DA374}"/>
-                </a:ext>
-              </a:extLst>
-            </p:cNvPr>
-            <p:cNvPicPr>
-              <a:picLocks noChangeAspect="1"/>
-            </p:cNvPicPr>
-            <p:nvPr/>
-          </p:nvPicPr>
-          <p:blipFill>
-            <a:blip r:embed="rId3"/>
-            <a:stretch>
-              <a:fillRect/>
-            </a:stretch>
-          </p:blipFill>
-          <p:spPr>
-            <a:xfrm>
-              <a:off x="1438827" y="2838609"/>
-              <a:ext cx="4906554" cy="3151298"/>
-            </a:xfrm>
-            <a:prstGeom prst="rect">
-              <a:avLst/>
-            </a:prstGeom>
-          </p:spPr>
-        </p:pic>
-        <p:pic>
-          <p:nvPicPr>
-            <p:cNvPr id="5" name="Immagine 4">
-              <a:extLst>
-                <a:ext uri="{FF2B5EF4-FFF2-40B4-BE49-F238E27FC236}">
-                  <a16:creationId xmlns:a16="http://schemas.microsoft.com/office/drawing/2014/main" id="{619EF817-4745-EFDC-C85A-2AC0D0279F75}"/>
-                </a:ext>
-              </a:extLst>
-            </p:cNvPr>
-            <p:cNvPicPr>
-              <a:picLocks noChangeAspect="1"/>
-            </p:cNvPicPr>
-            <p:nvPr/>
-          </p:nvPicPr>
-          <p:blipFill>
-            <a:blip r:embed="rId4"/>
-            <a:stretch>
-              <a:fillRect/>
-            </a:stretch>
-          </p:blipFill>
-          <p:spPr>
-            <a:xfrm>
-              <a:off x="4790525" y="5540203"/>
-              <a:ext cx="3704170" cy="374400"/>
-            </a:xfrm>
-            <a:prstGeom prst="rect">
-              <a:avLst/>
-            </a:prstGeom>
-          </p:spPr>
-        </p:pic>
-      </p:grpSp>
+          <a:prstGeom prst="rect">
+            <a:avLst/>
+          </a:prstGeom>
+        </p:spPr>
+      </p:pic>
     </p:spTree>
     <p:extLst>
       <p:ext uri="{BB962C8B-B14F-4D97-AF65-F5344CB8AC3E}">
@@ -17081,162 +16624,36 @@
           </a:p>
         </p:txBody>
       </p:sp>
-      <p:grpSp>
-        <p:nvGrpSpPr>
-          <p:cNvPr id="12" name="Gruppo 11">
+      <p:pic>
+        <p:nvPicPr>
+          <p:cNvPr id="6" name="Immagine 5" descr="Immagine che contiene testo, diagramma, schermata, linea&#10;&#10;Descrizione generata automaticamente">
             <a:extLst>
               <a:ext uri="{FF2B5EF4-FFF2-40B4-BE49-F238E27FC236}">
-                <a16:creationId xmlns:a16="http://schemas.microsoft.com/office/drawing/2014/main" id="{940C786F-4CE2-5DCC-8C15-C08700F2F52A}"/>
+                <a16:creationId xmlns:a16="http://schemas.microsoft.com/office/drawing/2014/main" id="{68E31759-0BE6-65F9-52FE-6F85BDF652AE}"/>
               </a:ext>
             </a:extLst>
           </p:cNvPr>
-          <p:cNvGrpSpPr/>
+          <p:cNvPicPr>
+            <a:picLocks noChangeAspect="1"/>
+          </p:cNvPicPr>
           <p:nvPr/>
-        </p:nvGrpSpPr>
-        <p:grpSpPr>
+        </p:nvPicPr>
+        <p:blipFill>
+          <a:blip r:embed="rId3"/>
+          <a:stretch>
+            <a:fillRect/>
+          </a:stretch>
+        </p:blipFill>
+        <p:spPr>
           <a:xfrm>
-            <a:off x="1458035" y="2827470"/>
-            <a:ext cx="4519634" cy="3008314"/>
-            <a:chOff x="1458035" y="2827470"/>
-            <a:chExt cx="4519634" cy="3008314"/>
+            <a:off x="1123249" y="2839717"/>
+            <a:ext cx="5148470" cy="3100240"/>
           </a:xfrm>
-        </p:grpSpPr>
-        <p:grpSp>
-          <p:nvGrpSpPr>
-            <p:cNvPr id="5" name="Gruppo 4">
-              <a:extLst>
-                <a:ext uri="{FF2B5EF4-FFF2-40B4-BE49-F238E27FC236}">
-                  <a16:creationId xmlns:a16="http://schemas.microsoft.com/office/drawing/2014/main" id="{26A9E0CE-6DB3-D259-BD05-5833353DEFF4}"/>
-                </a:ext>
-              </a:extLst>
-            </p:cNvPr>
-            <p:cNvGrpSpPr/>
-            <p:nvPr/>
-          </p:nvGrpSpPr>
-          <p:grpSpPr>
-            <a:xfrm>
-              <a:off x="1458035" y="2827470"/>
-              <a:ext cx="4519634" cy="3008314"/>
-              <a:chOff x="1458035" y="2827470"/>
-              <a:chExt cx="4519634" cy="3008314"/>
-            </a:xfrm>
-          </p:grpSpPr>
-          <p:pic>
-            <p:nvPicPr>
-              <p:cNvPr id="3" name="Immagine 2">
-                <a:extLst>
-                  <a:ext uri="{FF2B5EF4-FFF2-40B4-BE49-F238E27FC236}">
-                    <a16:creationId xmlns:a16="http://schemas.microsoft.com/office/drawing/2014/main" id="{A3BA0B57-D40E-7C66-9E2A-4575CDF28B7F}"/>
-                  </a:ext>
-                </a:extLst>
-              </p:cNvPr>
-              <p:cNvPicPr>
-                <a:picLocks noChangeAspect="1"/>
-              </p:cNvPicPr>
-              <p:nvPr/>
-            </p:nvPicPr>
-            <p:blipFill>
-              <a:blip r:embed="rId3"/>
-              <a:stretch>
-                <a:fillRect/>
-              </a:stretch>
-            </p:blipFill>
-            <p:spPr>
-              <a:xfrm>
-                <a:off x="1458035" y="2827470"/>
-                <a:ext cx="4519634" cy="3008314"/>
-              </a:xfrm>
-              <a:prstGeom prst="rect">
-                <a:avLst/>
-              </a:prstGeom>
-            </p:spPr>
-          </p:pic>
-          <p:sp>
-            <p:nvSpPr>
-              <p:cNvPr id="4" name="Ovale 3">
-                <a:extLst>
-                  <a:ext uri="{FF2B5EF4-FFF2-40B4-BE49-F238E27FC236}">
-                    <a16:creationId xmlns:a16="http://schemas.microsoft.com/office/drawing/2014/main" id="{22247927-9EF8-305E-83C2-ABA88FAAB176}"/>
-                  </a:ext>
-                </a:extLst>
-              </p:cNvPr>
-              <p:cNvSpPr/>
-              <p:nvPr/>
-            </p:nvSpPr>
-            <p:spPr>
-              <a:xfrm>
-                <a:off x="4733364" y="5400339"/>
-                <a:ext cx="430306" cy="435445"/>
-              </a:xfrm>
-              <a:prstGeom prst="ellipse">
-                <a:avLst/>
-              </a:prstGeom>
-              <a:solidFill>
-                <a:schemeClr val="bg1"/>
-              </a:solidFill>
-              <a:ln>
-                <a:solidFill>
-                  <a:schemeClr val="bg1"/>
-                </a:solidFill>
-              </a:ln>
-            </p:spPr>
-            <p:style>
-              <a:lnRef idx="2">
-                <a:schemeClr val="accent1">
-                  <a:shade val="50000"/>
-                </a:schemeClr>
-              </a:lnRef>
-              <a:fillRef idx="1">
-                <a:schemeClr val="accent1"/>
-              </a:fillRef>
-              <a:effectRef idx="0">
-                <a:schemeClr val="accent1"/>
-              </a:effectRef>
-              <a:fontRef idx="minor">
-                <a:schemeClr val="lt1"/>
-              </a:fontRef>
-            </p:style>
-            <p:txBody>
-              <a:bodyPr rtlCol="0" anchor="ctr"/>
-              <a:lstStyle/>
-              <a:p>
-                <a:pPr algn="ctr"/>
-                <a:endParaRPr lang="en-GB"/>
-              </a:p>
-            </p:txBody>
-          </p:sp>
-        </p:grpSp>
-        <p:pic>
-          <p:nvPicPr>
-            <p:cNvPr id="11" name="Immagine 10">
-              <a:extLst>
-                <a:ext uri="{FF2B5EF4-FFF2-40B4-BE49-F238E27FC236}">
-                  <a16:creationId xmlns:a16="http://schemas.microsoft.com/office/drawing/2014/main" id="{93A1359A-E603-B8CE-C831-CD3781A32B89}"/>
-                </a:ext>
-              </a:extLst>
-            </p:cNvPr>
-            <p:cNvPicPr>
-              <a:picLocks noChangeAspect="1"/>
-            </p:cNvPicPr>
-            <p:nvPr/>
-          </p:nvPicPr>
-          <p:blipFill>
-            <a:blip r:embed="rId4"/>
-            <a:stretch>
-              <a:fillRect/>
-            </a:stretch>
-          </p:blipFill>
-          <p:spPr>
-            <a:xfrm>
-              <a:off x="4948517" y="5400339"/>
-              <a:ext cx="689909" cy="191895"/>
-            </a:xfrm>
-            <a:prstGeom prst="rect">
-              <a:avLst/>
-            </a:prstGeom>
-          </p:spPr>
-        </p:pic>
-      </p:grpSp>
+          <a:prstGeom prst="rect">
+            <a:avLst/>
+          </a:prstGeom>
+        </p:spPr>
+      </p:pic>
     </p:spTree>
     <p:extLst>
       <p:ext uri="{BB962C8B-B14F-4D97-AF65-F5344CB8AC3E}">
@@ -17347,17 +16764,25 @@
             <a:pPr lvl="0"/>
             <a:r>
               <a:rPr lang="en-GB" dirty="0"/>
-              <a:t>The core of supervised learning is to learn from sampled feedback in order to be able to generalize to new samples</a:t>
+              <a:t>The core of supervised learning is to learn from sampled feedback in order to be able to </a:t>
+            </a:r>
+            <a:r>
+              <a:rPr lang="en-GB" b="1" dirty="0"/>
+              <a:t>generalize</a:t>
+            </a:r>
+            <a:r>
+              <a:rPr lang="en-GB" dirty="0"/>
+              <a:t> to new samples</a:t>
             </a:r>
           </a:p>
         </p:txBody>
       </p:sp>
       <p:pic>
         <p:nvPicPr>
-          <p:cNvPr id="3" name="Immagine 2">
+          <p:cNvPr id="4" name="Immagine 3">
             <a:extLst>
               <a:ext uri="{FF2B5EF4-FFF2-40B4-BE49-F238E27FC236}">
-                <a16:creationId xmlns:a16="http://schemas.microsoft.com/office/drawing/2014/main" id="{3CBC2912-19DB-1B09-D929-5CE52DD3D8EB}"/>
+                <a16:creationId xmlns:a16="http://schemas.microsoft.com/office/drawing/2014/main" id="{AD1EF577-77F0-1361-4E26-9B96C5D33172}"/>
               </a:ext>
             </a:extLst>
           </p:cNvPr>
@@ -17374,8 +16799,8 @@
         </p:blipFill>
         <p:spPr>
           <a:xfrm>
-            <a:off x="1211001" y="3036775"/>
-            <a:ext cx="6721997" cy="3577674"/>
+            <a:off x="148662" y="3155043"/>
+            <a:ext cx="8832588" cy="3295129"/>
           </a:xfrm>
           <a:prstGeom prst="rect">
             <a:avLst/>
@@ -17474,7 +16899,7 @@
           <a:p>
             <a:r>
               <a:rPr lang="en-GB" dirty="0"/>
-              <a:t>The use of a table to represent value functions is </a:t>
+              <a:t>A table to represent value functions is </a:t>
             </a:r>
             <a:r>
               <a:rPr lang="en-GB" b="1" dirty="0"/>
@@ -17489,8 +16914,12 @@
             <a:pPr lvl="1"/>
             <a:r>
               <a:rPr lang="en-GB" dirty="0"/>
-              <a:t>for example, Q-learning estimates the optimal action-value function by a matrix indexed by states and actions</a:t>
-            </a:r>
+              <a:t>Q-learning estimates optimal action-value function by a matrix indexed by states and actions</a:t>
+            </a:r>
+          </a:p>
+          <a:p>
+            <a:pPr lvl="1"/>
+            <a:endParaRPr lang="en-GB" dirty="0"/>
           </a:p>
           <a:p>
             <a:endParaRPr lang="en-GB" dirty="0"/>
@@ -17551,10 +16980,10 @@
       </p:sp>
       <p:pic>
         <p:nvPicPr>
-          <p:cNvPr id="4" name="Immagine 3">
+          <p:cNvPr id="5" name="Immagine 4">
             <a:extLst>
               <a:ext uri="{FF2B5EF4-FFF2-40B4-BE49-F238E27FC236}">
-                <a16:creationId xmlns:a16="http://schemas.microsoft.com/office/drawing/2014/main" id="{6D46FDA4-0EB3-DF1D-0C41-1C1511C52036}"/>
+                <a16:creationId xmlns:a16="http://schemas.microsoft.com/office/drawing/2014/main" id="{DE213E05-0F8A-48A5-DD42-9C7F00B30283}"/>
               </a:ext>
             </a:extLst>
           </p:cNvPr>
@@ -17571,8 +17000,8 @@
         </p:blipFill>
         <p:spPr>
           <a:xfrm>
-            <a:off x="878509" y="2381089"/>
-            <a:ext cx="7944365" cy="2885392"/>
+            <a:off x="685800" y="2359507"/>
+            <a:ext cx="7772400" cy="2716685"/>
           </a:xfrm>
           <a:prstGeom prst="rect">
             <a:avLst/>
@@ -17655,7 +17084,7 @@
         </p:nvSpPr>
         <p:spPr>
           <a:xfrm>
-            <a:off x="67815" y="1043733"/>
+            <a:off x="102540" y="1147907"/>
             <a:ext cx="8958942" cy="5490232"/>
           </a:xfrm>
           <a:prstGeom prst="rect">
@@ -17671,7 +17100,15 @@
             <a:pPr lvl="0"/>
             <a:r>
               <a:rPr lang="en-GB" dirty="0"/>
-              <a:t>In real tasks the state space is combinatorial and </a:t>
+              <a:t>In real tasks the state space is </a:t>
+            </a:r>
+            <a:r>
+              <a:rPr lang="en-GB" b="1" dirty="0"/>
+              <a:t>combinatorial</a:t>
+            </a:r>
+            <a:r>
+              <a:rPr lang="en-GB" dirty="0"/>
+              <a:t> and </a:t>
             </a:r>
             <a:r>
               <a:rPr lang="en-GB" b="1" dirty="0"/>
@@ -17703,7 +17140,7 @@
           <a:p>
             <a:r>
               <a:rPr lang="en-GB" dirty="0"/>
-              <a:t>One problem is the </a:t>
+              <a:t>One problem: the </a:t>
             </a:r>
             <a:r>
               <a:rPr lang="en-GB" b="1" dirty="0"/>
@@ -17725,7 +17162,7 @@
           <a:p>
             <a:r>
               <a:rPr lang="en-GB" dirty="0"/>
-              <a:t>Even worst, in real tasks, almost every state encountered </a:t>
+              <a:t>Even worst: almost every state encountered </a:t>
             </a:r>
             <a:r>
               <a:rPr lang="en-GB" b="1" dirty="0"/>
@@ -17835,6 +17272,36 @@
           <a:chExt cx="0" cy="0"/>
         </a:xfrm>
       </p:grpSpPr>
+      <p:pic>
+        <p:nvPicPr>
+          <p:cNvPr id="4" name="Immagine 3" descr="Immagine che contiene testo, diagramma, linea&#10;&#10;Descrizione generata automaticamente">
+            <a:extLst>
+              <a:ext uri="{FF2B5EF4-FFF2-40B4-BE49-F238E27FC236}">
+                <a16:creationId xmlns:a16="http://schemas.microsoft.com/office/drawing/2014/main" id="{46359122-EFA3-B398-28FE-2A760D3CFF81}"/>
+              </a:ext>
+            </a:extLst>
+          </p:cNvPr>
+          <p:cNvPicPr>
+            <a:picLocks noChangeAspect="1"/>
+          </p:cNvPicPr>
+          <p:nvPr/>
+        </p:nvPicPr>
+        <p:blipFill>
+          <a:blip r:embed="rId3"/>
+          <a:stretch>
+            <a:fillRect/>
+          </a:stretch>
+        </p:blipFill>
+        <p:spPr>
+          <a:xfrm>
+            <a:off x="4205780" y="1156854"/>
+            <a:ext cx="4924010" cy="2408149"/>
+          </a:xfrm>
+          <a:prstGeom prst="rect">
+            <a:avLst/>
+          </a:prstGeom>
+        </p:spPr>
+      </p:pic>
       <p:sp>
         <p:nvSpPr>
           <p:cNvPr id="83" name="Google Shape;83;p14"/>
@@ -17881,7 +17348,7 @@
         </p:nvSpPr>
         <p:spPr>
           <a:xfrm>
-            <a:off x="162750" y="1212537"/>
+            <a:off x="81726" y="1073639"/>
             <a:ext cx="8818500" cy="5224230"/>
           </a:xfrm>
           <a:prstGeom prst="rect">
@@ -17973,7 +17440,15 @@
           <a:p>
             <a:r>
               <a:rPr lang="en-GB" dirty="0"/>
-              <a:t>State space is low dimensional but </a:t>
+              <a:t>State space is </a:t>
+            </a:r>
+            <a:r>
+              <a:rPr lang="en-GB" b="1" dirty="0"/>
+              <a:t>low dimensional </a:t>
+            </a:r>
+            <a:r>
+              <a:rPr lang="en-GB" dirty="0"/>
+              <a:t>but </a:t>
             </a:r>
             <a:r>
               <a:rPr lang="en-GB" b="1" dirty="0"/>
@@ -17990,10 +17465,10 @@
       </p:sp>
       <p:pic>
         <p:nvPicPr>
-          <p:cNvPr id="3" name="Immagine 2">
+          <p:cNvPr id="5" name="Immagine 4" descr="Immagine che contiene Carattere, Elementi grafici, logo, cerchio&#10;&#10;Descrizione generata automaticamente">
             <a:extLst>
               <a:ext uri="{FF2B5EF4-FFF2-40B4-BE49-F238E27FC236}">
-                <a16:creationId xmlns:a16="http://schemas.microsoft.com/office/drawing/2014/main" id="{5ECC7DBE-AA1F-487D-F984-4B39D30E8547}"/>
+                <a16:creationId xmlns:a16="http://schemas.microsoft.com/office/drawing/2014/main" id="{ADF053CD-F6AF-86E1-CC56-2247B2B5F525}"/>
               </a:ext>
             </a:extLst>
           </p:cNvPr>
@@ -18003,15 +17478,15 @@
           <p:nvPr/>
         </p:nvPicPr>
         <p:blipFill>
-          <a:blip r:embed="rId3"/>
+          <a:blip r:embed="rId4"/>
           <a:stretch>
             <a:fillRect/>
           </a:stretch>
         </p:blipFill>
         <p:spPr>
           <a:xfrm>
-            <a:off x="4572000" y="1693450"/>
-            <a:ext cx="4408571" cy="1978521"/>
+            <a:off x="8661328" y="65196"/>
+            <a:ext cx="407258" cy="495579"/>
           </a:xfrm>
           <a:prstGeom prst="rect">
             <a:avLst/>
@@ -18082,66 +17557,6 @@
           </a:p>
         </p:txBody>
       </p:sp>
-      <p:pic>
-        <p:nvPicPr>
-          <p:cNvPr id="6" name="Immagine 5" descr="Immagine che contiene linea, diagramma, design&#10;&#10;Descrizione generata automaticamente">
-            <a:extLst>
-              <a:ext uri="{FF2B5EF4-FFF2-40B4-BE49-F238E27FC236}">
-                <a16:creationId xmlns:a16="http://schemas.microsoft.com/office/drawing/2014/main" id="{07A333E2-AA7A-872C-CAAE-BF7D148BEDC5}"/>
-              </a:ext>
-            </a:extLst>
-          </p:cNvPr>
-          <p:cNvPicPr>
-            <a:picLocks noChangeAspect="1"/>
-          </p:cNvPicPr>
-          <p:nvPr/>
-        </p:nvPicPr>
-        <p:blipFill>
-          <a:blip r:embed="rId3"/>
-          <a:stretch>
-            <a:fillRect/>
-          </a:stretch>
-        </p:blipFill>
-        <p:spPr>
-          <a:xfrm>
-            <a:off x="2650321" y="2139283"/>
-            <a:ext cx="6493679" cy="2579434"/>
-          </a:xfrm>
-          <a:prstGeom prst="rect">
-            <a:avLst/>
-          </a:prstGeom>
-        </p:spPr>
-      </p:pic>
-      <p:pic>
-        <p:nvPicPr>
-          <p:cNvPr id="4" name="Immagine 3">
-            <a:extLst>
-              <a:ext uri="{FF2B5EF4-FFF2-40B4-BE49-F238E27FC236}">
-                <a16:creationId xmlns:a16="http://schemas.microsoft.com/office/drawing/2014/main" id="{632C54DD-AEF7-7FEF-5CC9-1B226771639E}"/>
-              </a:ext>
-            </a:extLst>
-          </p:cNvPr>
-          <p:cNvPicPr>
-            <a:picLocks noChangeAspect="1"/>
-          </p:cNvPicPr>
-          <p:nvPr/>
-        </p:nvPicPr>
-        <p:blipFill>
-          <a:blip r:embed="rId4"/>
-          <a:stretch>
-            <a:fillRect/>
-          </a:stretch>
-        </p:blipFill>
-        <p:spPr>
-          <a:xfrm>
-            <a:off x="162750" y="4111914"/>
-            <a:ext cx="4938564" cy="2394040"/>
-          </a:xfrm>
-          <a:prstGeom prst="rect">
-            <a:avLst/>
-          </a:prstGeom>
-        </p:spPr>
-      </p:pic>
       <p:sp>
         <p:nvSpPr>
           <p:cNvPr id="84" name="Google Shape;84;p14"/>
@@ -18193,18 +17608,78 @@
             <a:pPr lvl="1"/>
             <a:r>
               <a:rPr lang="en-GB" dirty="0"/>
-              <a:t>Q estimate is parameterized by theta </a:t>
+              <a:t>parameterized by theta </a:t>
             </a:r>
           </a:p>
           <a:p>
             <a:pPr lvl="1"/>
             <a:r>
               <a:rPr lang="en-GB" dirty="0"/>
-              <a:t>the weights of a neural network</a:t>
+              <a:t>parameterized by the weights of a neural network</a:t>
             </a:r>
           </a:p>
         </p:txBody>
       </p:sp>
+      <p:pic>
+        <p:nvPicPr>
+          <p:cNvPr id="7" name="Immagine 6">
+            <a:extLst>
+              <a:ext uri="{FF2B5EF4-FFF2-40B4-BE49-F238E27FC236}">
+                <a16:creationId xmlns:a16="http://schemas.microsoft.com/office/drawing/2014/main" id="{9739E258-B16F-DE3C-1749-6CC9DBBA0602}"/>
+              </a:ext>
+            </a:extLst>
+          </p:cNvPr>
+          <p:cNvPicPr>
+            <a:picLocks noChangeAspect="1"/>
+          </p:cNvPicPr>
+          <p:nvPr/>
+        </p:nvPicPr>
+        <p:blipFill>
+          <a:blip r:embed="rId3"/>
+          <a:stretch>
+            <a:fillRect/>
+          </a:stretch>
+        </p:blipFill>
+        <p:spPr>
+          <a:xfrm>
+            <a:off x="4012520" y="2981149"/>
+            <a:ext cx="5072934" cy="2505249"/>
+          </a:xfrm>
+          <a:prstGeom prst="rect">
+            <a:avLst/>
+          </a:prstGeom>
+        </p:spPr>
+      </p:pic>
+      <p:pic>
+        <p:nvPicPr>
+          <p:cNvPr id="3" name="Immagine 2">
+            <a:extLst>
+              <a:ext uri="{FF2B5EF4-FFF2-40B4-BE49-F238E27FC236}">
+                <a16:creationId xmlns:a16="http://schemas.microsoft.com/office/drawing/2014/main" id="{3689E3C1-2A92-9342-E6C5-5109BED79881}"/>
+              </a:ext>
+            </a:extLst>
+          </p:cNvPr>
+          <p:cNvPicPr>
+            <a:picLocks noChangeAspect="1"/>
+          </p:cNvPicPr>
+          <p:nvPr/>
+        </p:nvPicPr>
+        <p:blipFill>
+          <a:blip r:embed="rId4"/>
+          <a:stretch>
+            <a:fillRect/>
+          </a:stretch>
+        </p:blipFill>
+        <p:spPr>
+          <a:xfrm>
+            <a:off x="168358" y="2789499"/>
+            <a:ext cx="4273956" cy="2696899"/>
+          </a:xfrm>
+          <a:prstGeom prst="rect">
+            <a:avLst/>
+          </a:prstGeom>
+        </p:spPr>
+      </p:pic>
     </p:spTree>
     <p:extLst>
       <p:ext uri="{BB962C8B-B14F-4D97-AF65-F5344CB8AC3E}">
